--- a/2023-11-30-组会报告.pptx
+++ b/2023-11-30-组会报告.pptx
@@ -7637,7 +7637,7 @@
               <a:t>window</a:t>
             </a:r>
             <a:r>
-              <a:rPr kumimoji="0" lang="zh-CN" altLang="en-US" sz="2000" b="1" dirty="0">
+              <a:rPr kumimoji="0" lang="zh-CN" altLang="en-US" sz="2000" b="1">
                 <a:solidFill>
                   <a:srgbClr val="262626"/>
                 </a:solidFill>
@@ -7646,141 +7646,7 @@
               </a:rPr>
               <a:t>的基础</a:t>
             </a:r>
-            <a:endParaRPr kumimoji="0" lang="en-US" altLang="zh-CN" sz="2000" b="1" dirty="0">
-              <a:solidFill>
-                <a:srgbClr val="262626"/>
-              </a:solidFill>
-              <a:latin typeface="微软雅黑" pitchFamily="34" charset="-122"/>
-              <a:ea typeface="微软雅黑" pitchFamily="34" charset="-122"/>
-            </a:endParaRPr>
-          </a:p>
-          <a:p>
-            <a:pPr lvl="1" defTabSz="912813">
-              <a:lnSpc>
-                <a:spcPts val="2600"/>
-              </a:lnSpc>
-              <a:spcBef>
-                <a:spcPts val="1600"/>
-              </a:spcBef>
-            </a:pPr>
-            <a:r>
-              <a:rPr kumimoji="0" lang="zh-CN" altLang="en-US" sz="2000" b="1" dirty="0">
-                <a:solidFill>
-                  <a:srgbClr val="262626"/>
-                </a:solidFill>
-                <a:latin typeface="微软雅黑" pitchFamily="34" charset="-122"/>
-                <a:ea typeface="微软雅黑" pitchFamily="34" charset="-122"/>
-              </a:rPr>
-              <a:t>缺少对于</a:t>
-            </a:r>
-            <a:r>
-              <a:rPr kumimoji="0" lang="en-US" altLang="zh-CN" sz="2000" b="1" dirty="0">
-                <a:solidFill>
-                  <a:srgbClr val="262626"/>
-                </a:solidFill>
-                <a:latin typeface="微软雅黑" pitchFamily="34" charset="-122"/>
-                <a:ea typeface="微软雅黑" pitchFamily="34" charset="-122"/>
-              </a:rPr>
-              <a:t>Blocking</a:t>
-            </a:r>
-            <a:r>
-              <a:rPr kumimoji="0" lang="zh-CN" altLang="en-US" sz="2000" b="1" dirty="0">
-                <a:solidFill>
-                  <a:srgbClr val="262626"/>
-                </a:solidFill>
-                <a:latin typeface="微软雅黑" pitchFamily="34" charset="-122"/>
-                <a:ea typeface="微软雅黑" pitchFamily="34" charset="-122"/>
-              </a:rPr>
-              <a:t>与</a:t>
-            </a:r>
-            <a:r>
-              <a:rPr kumimoji="0" lang="en-US" altLang="zh-CN" sz="2000" b="1" dirty="0">
-                <a:solidFill>
-                  <a:srgbClr val="262626"/>
-                </a:solidFill>
-                <a:latin typeface="微软雅黑" pitchFamily="34" charset="-122"/>
-                <a:ea typeface="微软雅黑" pitchFamily="34" charset="-122"/>
-              </a:rPr>
-              <a:t>Non-Blocking</a:t>
-            </a:r>
-            <a:r>
-              <a:rPr kumimoji="0" lang="zh-CN" altLang="en-US" sz="2000" b="1" dirty="0">
-                <a:solidFill>
-                  <a:srgbClr val="262626"/>
-                </a:solidFill>
-                <a:latin typeface="微软雅黑" pitchFamily="34" charset="-122"/>
-                <a:ea typeface="微软雅黑" pitchFamily="34" charset="-122"/>
-              </a:rPr>
-              <a:t>替换的代价分析</a:t>
-            </a:r>
-            <a:endParaRPr kumimoji="0" lang="en-US" altLang="zh-CN" sz="2000" b="1" dirty="0">
-              <a:solidFill>
-                <a:srgbClr val="262626"/>
-              </a:solidFill>
-              <a:latin typeface="微软雅黑" pitchFamily="34" charset="-122"/>
-              <a:ea typeface="微软雅黑" pitchFamily="34" charset="-122"/>
-            </a:endParaRPr>
-          </a:p>
-          <a:p>
-            <a:pPr lvl="2" defTabSz="912813">
-              <a:lnSpc>
-                <a:spcPts val="2600"/>
-              </a:lnSpc>
-              <a:spcBef>
-                <a:spcPts val="1600"/>
-              </a:spcBef>
-            </a:pPr>
-            <a:r>
-              <a:rPr kumimoji="0" lang="zh-CN" altLang="en-US" sz="1625" b="1" dirty="0">
-                <a:solidFill>
-                  <a:srgbClr val="262626"/>
-                </a:solidFill>
-                <a:latin typeface="微软雅黑" pitchFamily="34" charset="-122"/>
-                <a:ea typeface="微软雅黑" pitchFamily="34" charset="-122"/>
-              </a:rPr>
-              <a:t>并不是所有的</a:t>
-            </a:r>
-            <a:r>
-              <a:rPr kumimoji="0" lang="en-US" altLang="zh-CN" sz="1625" b="1" dirty="0">
-                <a:solidFill>
-                  <a:srgbClr val="262626"/>
-                </a:solidFill>
-                <a:latin typeface="微软雅黑" pitchFamily="34" charset="-122"/>
-                <a:ea typeface="微软雅黑" pitchFamily="34" charset="-122"/>
-              </a:rPr>
-              <a:t>Blocking</a:t>
-            </a:r>
-            <a:r>
-              <a:rPr kumimoji="0" lang="zh-CN" altLang="en-US" sz="1625" b="1" dirty="0">
-                <a:solidFill>
-                  <a:srgbClr val="262626"/>
-                </a:solidFill>
-                <a:latin typeface="微软雅黑" pitchFamily="34" charset="-122"/>
-                <a:ea typeface="微软雅黑" pitchFamily="34" charset="-122"/>
-              </a:rPr>
-              <a:t>换</a:t>
-            </a:r>
-            <a:r>
-              <a:rPr kumimoji="0" lang="en-US" altLang="zh-CN" sz="1625" b="1" dirty="0">
-                <a:solidFill>
-                  <a:srgbClr val="262626"/>
-                </a:solidFill>
-                <a:latin typeface="微软雅黑" pitchFamily="34" charset="-122"/>
-                <a:ea typeface="微软雅黑" pitchFamily="34" charset="-122"/>
-              </a:rPr>
-              <a:t>Non-Blocking</a:t>
-            </a:r>
-            <a:r>
-              <a:rPr kumimoji="0" lang="zh-CN" altLang="en-US" sz="1625" b="1" dirty="0">
-                <a:solidFill>
-                  <a:srgbClr val="262626"/>
-                </a:solidFill>
-                <a:latin typeface="微软雅黑" pitchFamily="34" charset="-122"/>
-                <a:ea typeface="微软雅黑" pitchFamily="34" charset="-122"/>
-              </a:rPr>
-              <a:t>都有优化</a:t>
-            </a:r>
-            <a:endParaRPr kumimoji="0" lang="en-US" altLang="zh-CN" sz="1625" b="1" dirty="0">
+            <a:endParaRPr kumimoji="0" lang="zh-CN" altLang="en-US" sz="2000" b="1" dirty="0">
               <a:solidFill>
                 <a:srgbClr val="262626"/>
               </a:solidFill>
@@ -16756,27 +16622,7 @@
                 <a:latin typeface="微软雅黑" pitchFamily="34" charset="-122"/>
                 <a:ea typeface="微软雅黑" pitchFamily="34" charset="-122"/>
               </a:rPr>
-              <a:t>扩展</a:t>
-            </a:r>
-            <a:r>
-              <a:rPr kumimoji="0" lang="zh-CN" altLang="en-US" sz="2000" b="1">
-                <a:solidFill>
-                  <a:srgbClr val="262626"/>
-                </a:solidFill>
-                <a:latin typeface="微软雅黑" pitchFamily="34" charset="-122"/>
-                <a:ea typeface="微软雅黑" pitchFamily="34" charset="-122"/>
-              </a:rPr>
-              <a:t>到大规模节点的</a:t>
-            </a:r>
-            <a:r>
-              <a:rPr kumimoji="0" lang="zh-CN" altLang="en-US" sz="2000" b="1" dirty="0">
-                <a:solidFill>
-                  <a:srgbClr val="262626"/>
-                </a:solidFill>
-                <a:latin typeface="微软雅黑" pitchFamily="34" charset="-122"/>
-                <a:ea typeface="微软雅黑" pitchFamily="34" charset="-122"/>
-              </a:rPr>
-              <a:t>时候</a:t>
+              <a:t>扩展到大规模节点的时候</a:t>
             </a:r>
             <a:r>
               <a:rPr kumimoji="0" lang="en-US" altLang="zh-CN" sz="2000" b="1" dirty="0">
@@ -16866,71 +16712,6 @@
               <a:t>通信成为了性能瓶颈</a:t>
             </a:r>
             <a:endParaRPr kumimoji="0" lang="en-US" altLang="zh-CN" sz="1625" b="1" dirty="0">
-              <a:solidFill>
-                <a:srgbClr val="262626"/>
-              </a:solidFill>
-              <a:latin typeface="微软雅黑" pitchFamily="34" charset="-122"/>
-              <a:ea typeface="微软雅黑" pitchFamily="34" charset="-122"/>
-            </a:endParaRPr>
-          </a:p>
-          <a:p>
-            <a:pPr lvl="2" defTabSz="912813">
-              <a:lnSpc>
-                <a:spcPts val="2600"/>
-              </a:lnSpc>
-              <a:spcBef>
-                <a:spcPts val="1600"/>
-              </a:spcBef>
-            </a:pPr>
-            <a:r>
-              <a:rPr kumimoji="0" lang="zh-CN" altLang="en-US" sz="1625" b="1" dirty="0">
-                <a:solidFill>
-                  <a:srgbClr val="262626"/>
-                </a:solidFill>
-                <a:latin typeface="微软雅黑" pitchFamily="34" charset="-122"/>
-                <a:ea typeface="微软雅黑" pitchFamily="34" charset="-122"/>
-              </a:rPr>
-              <a:t>改为底层的</a:t>
-            </a:r>
-            <a:r>
-              <a:rPr kumimoji="0" lang="en-US" altLang="zh-CN" sz="1625" b="1" dirty="0">
-                <a:solidFill>
-                  <a:srgbClr val="262626"/>
-                </a:solidFill>
-                <a:latin typeface="微软雅黑" pitchFamily="34" charset="-122"/>
-                <a:ea typeface="微软雅黑" pitchFamily="34" charset="-122"/>
-              </a:rPr>
-              <a:t>RDMA</a:t>
-            </a:r>
-            <a:r>
-              <a:rPr kumimoji="0" lang="zh-CN" altLang="en-US" sz="1625" b="1" dirty="0">
-                <a:solidFill>
-                  <a:srgbClr val="262626"/>
-                </a:solidFill>
-                <a:latin typeface="微软雅黑" pitchFamily="34" charset="-122"/>
-                <a:ea typeface="微软雅黑" pitchFamily="34" charset="-122"/>
-              </a:rPr>
-              <a:t>实现后减少了同步时间，一定程度上解决了可扩展性问题</a:t>
-            </a:r>
-            <a:endParaRPr kumimoji="0" lang="en-US" altLang="zh-CN" sz="1625" b="1" dirty="0">
-              <a:solidFill>
-                <a:srgbClr val="262626"/>
-              </a:solidFill>
-              <a:latin typeface="微软雅黑" pitchFamily="34" charset="-122"/>
-              <a:ea typeface="微软雅黑" pitchFamily="34" charset="-122"/>
-            </a:endParaRPr>
-          </a:p>
-          <a:p>
-            <a:pPr marL="429311" lvl="1" indent="0" defTabSz="912813">
-              <a:lnSpc>
-                <a:spcPts val="2600"/>
-              </a:lnSpc>
-              <a:spcBef>
-                <a:spcPts val="1600"/>
-              </a:spcBef>
-              <a:buNone/>
-            </a:pPr>
-            <a:endParaRPr kumimoji="0" lang="en-US" altLang="zh-CN" sz="2000" b="1" dirty="0">
               <a:solidFill>
                 <a:srgbClr val="262626"/>
               </a:solidFill>
